--- a/Soulless.pptx
+++ b/Soulless.pptx
@@ -299,7 +299,7 @@
           <a:p>
             <a:fld id="{3434945A-BCD7-459E-B016-1CE49472916C}" type="datetimeFigureOut">
               <a:rPr lang="ko-KR" altLang="en-US" smtClean="0"/>
-              <a:t>2023-01-16</a:t>
+              <a:t>2023-01-21</a:t>
             </a:fld>
             <a:endParaRPr lang="ko-KR" altLang="en-US"/>
           </a:p>
@@ -497,7 +497,7 @@
           <a:p>
             <a:fld id="{3434945A-BCD7-459E-B016-1CE49472916C}" type="datetimeFigureOut">
               <a:rPr lang="ko-KR" altLang="en-US" smtClean="0"/>
-              <a:t>2023-01-16</a:t>
+              <a:t>2023-01-21</a:t>
             </a:fld>
             <a:endParaRPr lang="ko-KR" altLang="en-US"/>
           </a:p>
@@ -705,7 +705,7 @@
           <a:p>
             <a:fld id="{3434945A-BCD7-459E-B016-1CE49472916C}" type="datetimeFigureOut">
               <a:rPr lang="ko-KR" altLang="en-US" smtClean="0"/>
-              <a:t>2023-01-16</a:t>
+              <a:t>2023-01-21</a:t>
             </a:fld>
             <a:endParaRPr lang="ko-KR" altLang="en-US"/>
           </a:p>
@@ -903,7 +903,7 @@
           <a:p>
             <a:fld id="{3434945A-BCD7-459E-B016-1CE49472916C}" type="datetimeFigureOut">
               <a:rPr lang="ko-KR" altLang="en-US" smtClean="0"/>
-              <a:t>2023-01-16</a:t>
+              <a:t>2023-01-21</a:t>
             </a:fld>
             <a:endParaRPr lang="ko-KR" altLang="en-US"/>
           </a:p>
@@ -1178,7 +1178,7 @@
           <a:p>
             <a:fld id="{3434945A-BCD7-459E-B016-1CE49472916C}" type="datetimeFigureOut">
               <a:rPr lang="ko-KR" altLang="en-US" smtClean="0"/>
-              <a:t>2023-01-16</a:t>
+              <a:t>2023-01-21</a:t>
             </a:fld>
             <a:endParaRPr lang="ko-KR" altLang="en-US"/>
           </a:p>
@@ -1443,7 +1443,7 @@
           <a:p>
             <a:fld id="{3434945A-BCD7-459E-B016-1CE49472916C}" type="datetimeFigureOut">
               <a:rPr lang="ko-KR" altLang="en-US" smtClean="0"/>
-              <a:t>2023-01-16</a:t>
+              <a:t>2023-01-21</a:t>
             </a:fld>
             <a:endParaRPr lang="ko-KR" altLang="en-US"/>
           </a:p>
@@ -1855,7 +1855,7 @@
           <a:p>
             <a:fld id="{3434945A-BCD7-459E-B016-1CE49472916C}" type="datetimeFigureOut">
               <a:rPr lang="ko-KR" altLang="en-US" smtClean="0"/>
-              <a:t>2023-01-16</a:t>
+              <a:t>2023-01-21</a:t>
             </a:fld>
             <a:endParaRPr lang="ko-KR" altLang="en-US"/>
           </a:p>
@@ -1996,7 +1996,7 @@
           <a:p>
             <a:fld id="{3434945A-BCD7-459E-B016-1CE49472916C}" type="datetimeFigureOut">
               <a:rPr lang="ko-KR" altLang="en-US" smtClean="0"/>
-              <a:t>2023-01-16</a:t>
+              <a:t>2023-01-21</a:t>
             </a:fld>
             <a:endParaRPr lang="ko-KR" altLang="en-US"/>
           </a:p>
@@ -2109,7 +2109,7 @@
           <a:p>
             <a:fld id="{3434945A-BCD7-459E-B016-1CE49472916C}" type="datetimeFigureOut">
               <a:rPr lang="ko-KR" altLang="en-US" smtClean="0"/>
-              <a:t>2023-01-16</a:t>
+              <a:t>2023-01-21</a:t>
             </a:fld>
             <a:endParaRPr lang="ko-KR" altLang="en-US"/>
           </a:p>
@@ -2420,7 +2420,7 @@
           <a:p>
             <a:fld id="{3434945A-BCD7-459E-B016-1CE49472916C}" type="datetimeFigureOut">
               <a:rPr lang="ko-KR" altLang="en-US" smtClean="0"/>
-              <a:t>2023-01-16</a:t>
+              <a:t>2023-01-21</a:t>
             </a:fld>
             <a:endParaRPr lang="ko-KR" altLang="en-US"/>
           </a:p>
@@ -2708,7 +2708,7 @@
           <a:p>
             <a:fld id="{3434945A-BCD7-459E-B016-1CE49472916C}" type="datetimeFigureOut">
               <a:rPr lang="ko-KR" altLang="en-US" smtClean="0"/>
-              <a:t>2023-01-16</a:t>
+              <a:t>2023-01-21</a:t>
             </a:fld>
             <a:endParaRPr lang="ko-KR" altLang="en-US"/>
           </a:p>
@@ -2949,7 +2949,7 @@
           <a:p>
             <a:fld id="{3434945A-BCD7-459E-B016-1CE49472916C}" type="datetimeFigureOut">
               <a:rPr lang="ko-KR" altLang="en-US" smtClean="0"/>
-              <a:t>2023-01-16</a:t>
+              <a:t>2023-01-21</a:t>
             </a:fld>
             <a:endParaRPr lang="ko-KR" altLang="en-US"/>
           </a:p>
@@ -6222,58 +6222,6 @@
           </a:p>
         </p:txBody>
       </p:sp>
-      <p:sp>
-        <p:nvSpPr>
-          <p:cNvPr id="3" name="직사각형 2">
-            <a:extLst>
-              <a:ext uri="{FF2B5EF4-FFF2-40B4-BE49-F238E27FC236}">
-                <a16:creationId xmlns:a16="http://schemas.microsoft.com/office/drawing/2014/main" id="{86673AD5-CC3A-B1B8-D2D4-2EF21FCBF6A7}"/>
-              </a:ext>
-            </a:extLst>
-          </p:cNvPr>
-          <p:cNvSpPr/>
-          <p:nvPr/>
-        </p:nvSpPr>
-        <p:spPr>
-          <a:xfrm>
-            <a:off x="3647507" y="4119339"/>
-            <a:ext cx="4896986" cy="57529"/>
-          </a:xfrm>
-          <a:prstGeom prst="rect">
-            <a:avLst/>
-          </a:prstGeom>
-          <a:solidFill>
-            <a:schemeClr val="bg1"/>
-          </a:solidFill>
-          <a:ln>
-            <a:noFill/>
-          </a:ln>
-        </p:spPr>
-        <p:style>
-          <a:lnRef idx="2">
-            <a:schemeClr val="accent1">
-              <a:shade val="50000"/>
-            </a:schemeClr>
-          </a:lnRef>
-          <a:fillRef idx="1">
-            <a:schemeClr val="accent1"/>
-          </a:fillRef>
-          <a:effectRef idx="0">
-            <a:schemeClr val="accent1"/>
-          </a:effectRef>
-          <a:fontRef idx="minor">
-            <a:schemeClr val="lt1"/>
-          </a:fontRef>
-        </p:style>
-        <p:txBody>
-          <a:bodyPr rtlCol="0" anchor="ctr"/>
-          <a:lstStyle/>
-          <a:p>
-            <a:pPr algn="ctr"/>
-            <a:endParaRPr lang="ko-KR" altLang="en-US"/>
-          </a:p>
-        </p:txBody>
-      </p:sp>
     </p:spTree>
     <p:extLst>
       <p:ext uri="{BB962C8B-B14F-4D97-AF65-F5344CB8AC3E}">
@@ -6284,465 +6232,6 @@
   <p:clrMapOvr>
     <a:masterClrMapping/>
   </p:clrMapOvr>
-  <p:timing>
-    <p:tnLst>
-      <p:par>
-        <p:cTn id="1" dur="indefinite" restart="never" nodeType="tmRoot">
-          <p:childTnLst>
-            <p:seq concurrent="1" nextAc="seek">
-              <p:cTn id="2" dur="indefinite" nodeType="mainSeq">
-                <p:childTnLst>
-                  <p:par>
-                    <p:cTn id="3" fill="hold">
-                      <p:stCondLst>
-                        <p:cond delay="indefinite"/>
-                        <p:cond evt="onBegin" delay="0">
-                          <p:tn val="2"/>
-                        </p:cond>
-                      </p:stCondLst>
-                      <p:childTnLst>
-                        <p:par>
-                          <p:cTn id="4" fill="hold">
-                            <p:stCondLst>
-                              <p:cond delay="0"/>
-                            </p:stCondLst>
-                            <p:childTnLst>
-                              <p:par>
-                                <p:cTn id="5" presetID="10" presetClass="entr" presetSubtype="0" fill="hold" grpId="0" nodeType="withEffect">
-                                  <p:stCondLst>
-                                    <p:cond delay="0"/>
-                                  </p:stCondLst>
-                                  <p:childTnLst>
-                                    <p:set>
-                                      <p:cBhvr>
-                                        <p:cTn id="6" dur="1" fill="hold">
-                                          <p:stCondLst>
-                                            <p:cond delay="0"/>
-                                          </p:stCondLst>
-                                        </p:cTn>
-                                        <p:tgtEl>
-                                          <p:spTgt spid="7"/>
-                                        </p:tgtEl>
-                                        <p:attrNameLst>
-                                          <p:attrName>style.visibility</p:attrName>
-                                        </p:attrNameLst>
-                                      </p:cBhvr>
-                                      <p:to>
-                                        <p:strVal val="visible"/>
-                                      </p:to>
-                                    </p:set>
-                                    <p:animEffect transition="in" filter="fade">
-                                      <p:cBhvr>
-                                        <p:cTn id="7" dur="100"/>
-                                        <p:tgtEl>
-                                          <p:spTgt spid="7"/>
-                                        </p:tgtEl>
-                                      </p:cBhvr>
-                                    </p:animEffect>
-                                  </p:childTnLst>
-                                </p:cTn>
-                              </p:par>
-                              <p:par>
-                                <p:cTn id="8" presetID="10" presetClass="entr" presetSubtype="0" fill="hold" grpId="0" nodeType="withEffect">
-                                  <p:stCondLst>
-                                    <p:cond delay="0"/>
-                                  </p:stCondLst>
-                                  <p:childTnLst>
-                                    <p:set>
-                                      <p:cBhvr>
-                                        <p:cTn id="9" dur="1" fill="hold">
-                                          <p:stCondLst>
-                                            <p:cond delay="0"/>
-                                          </p:stCondLst>
-                                        </p:cTn>
-                                        <p:tgtEl>
-                                          <p:spTgt spid="8"/>
-                                        </p:tgtEl>
-                                        <p:attrNameLst>
-                                          <p:attrName>style.visibility</p:attrName>
-                                        </p:attrNameLst>
-                                      </p:cBhvr>
-                                      <p:to>
-                                        <p:strVal val="visible"/>
-                                      </p:to>
-                                    </p:set>
-                                    <p:animEffect transition="in" filter="fade">
-                                      <p:cBhvr>
-                                        <p:cTn id="10" dur="100"/>
-                                        <p:tgtEl>
-                                          <p:spTgt spid="8"/>
-                                        </p:tgtEl>
-                                      </p:cBhvr>
-                                    </p:animEffect>
-                                  </p:childTnLst>
-                                </p:cTn>
-                              </p:par>
-                              <p:par>
-                                <p:cTn id="11" presetID="10" presetClass="entr" presetSubtype="0" fill="hold" grpId="0" nodeType="withEffect">
-                                  <p:stCondLst>
-                                    <p:cond delay="0"/>
-                                  </p:stCondLst>
-                                  <p:childTnLst>
-                                    <p:set>
-                                      <p:cBhvr>
-                                        <p:cTn id="12" dur="1" fill="hold">
-                                          <p:stCondLst>
-                                            <p:cond delay="0"/>
-                                          </p:stCondLst>
-                                        </p:cTn>
-                                        <p:tgtEl>
-                                          <p:spTgt spid="11"/>
-                                        </p:tgtEl>
-                                        <p:attrNameLst>
-                                          <p:attrName>style.visibility</p:attrName>
-                                        </p:attrNameLst>
-                                      </p:cBhvr>
-                                      <p:to>
-                                        <p:strVal val="visible"/>
-                                      </p:to>
-                                    </p:set>
-                                    <p:animEffect transition="in" filter="fade">
-                                      <p:cBhvr>
-                                        <p:cTn id="13" dur="100"/>
-                                        <p:tgtEl>
-                                          <p:spTgt spid="11"/>
-                                        </p:tgtEl>
-                                      </p:cBhvr>
-                                    </p:animEffect>
-                                  </p:childTnLst>
-                                </p:cTn>
-                              </p:par>
-                              <p:par>
-                                <p:cTn id="14" presetID="10" presetClass="entr" presetSubtype="0" fill="hold" grpId="0" nodeType="withEffect">
-                                  <p:stCondLst>
-                                    <p:cond delay="0"/>
-                                  </p:stCondLst>
-                                  <p:childTnLst>
-                                    <p:set>
-                                      <p:cBhvr>
-                                        <p:cTn id="15" dur="1" fill="hold">
-                                          <p:stCondLst>
-                                            <p:cond delay="0"/>
-                                          </p:stCondLst>
-                                        </p:cTn>
-                                        <p:tgtEl>
-                                          <p:spTgt spid="12"/>
-                                        </p:tgtEl>
-                                        <p:attrNameLst>
-                                          <p:attrName>style.visibility</p:attrName>
-                                        </p:attrNameLst>
-                                      </p:cBhvr>
-                                      <p:to>
-                                        <p:strVal val="visible"/>
-                                      </p:to>
-                                    </p:set>
-                                    <p:animEffect transition="in" filter="fade">
-                                      <p:cBhvr>
-                                        <p:cTn id="16" dur="100"/>
-                                        <p:tgtEl>
-                                          <p:spTgt spid="12"/>
-                                        </p:tgtEl>
-                                      </p:cBhvr>
-                                    </p:animEffect>
-                                  </p:childTnLst>
-                                </p:cTn>
-                              </p:par>
-                              <p:par>
-                                <p:cTn id="17" presetID="10" presetClass="entr" presetSubtype="0" fill="hold" grpId="0" nodeType="withEffect">
-                                  <p:stCondLst>
-                                    <p:cond delay="0"/>
-                                  </p:stCondLst>
-                                  <p:childTnLst>
-                                    <p:set>
-                                      <p:cBhvr>
-                                        <p:cTn id="18" dur="1" fill="hold">
-                                          <p:stCondLst>
-                                            <p:cond delay="0"/>
-                                          </p:stCondLst>
-                                        </p:cTn>
-                                        <p:tgtEl>
-                                          <p:spTgt spid="13"/>
-                                        </p:tgtEl>
-                                        <p:attrNameLst>
-                                          <p:attrName>style.visibility</p:attrName>
-                                        </p:attrNameLst>
-                                      </p:cBhvr>
-                                      <p:to>
-                                        <p:strVal val="visible"/>
-                                      </p:to>
-                                    </p:set>
-                                    <p:animEffect transition="in" filter="fade">
-                                      <p:cBhvr>
-                                        <p:cTn id="19" dur="100"/>
-                                        <p:tgtEl>
-                                          <p:spTgt spid="13"/>
-                                        </p:tgtEl>
-                                      </p:cBhvr>
-                                    </p:animEffect>
-                                  </p:childTnLst>
-                                </p:cTn>
-                              </p:par>
-                              <p:par>
-                                <p:cTn id="20" presetID="10" presetClass="entr" presetSubtype="0" fill="hold" grpId="0" nodeType="withEffect">
-                                  <p:stCondLst>
-                                    <p:cond delay="0"/>
-                                  </p:stCondLst>
-                                  <p:childTnLst>
-                                    <p:set>
-                                      <p:cBhvr>
-                                        <p:cTn id="21" dur="1" fill="hold">
-                                          <p:stCondLst>
-                                            <p:cond delay="0"/>
-                                          </p:stCondLst>
-                                        </p:cTn>
-                                        <p:tgtEl>
-                                          <p:spTgt spid="15"/>
-                                        </p:tgtEl>
-                                        <p:attrNameLst>
-                                          <p:attrName>style.visibility</p:attrName>
-                                        </p:attrNameLst>
-                                      </p:cBhvr>
-                                      <p:to>
-                                        <p:strVal val="visible"/>
-                                      </p:to>
-                                    </p:set>
-                                    <p:animEffect transition="in" filter="fade">
-                                      <p:cBhvr>
-                                        <p:cTn id="22" dur="100"/>
-                                        <p:tgtEl>
-                                          <p:spTgt spid="15"/>
-                                        </p:tgtEl>
-                                      </p:cBhvr>
-                                    </p:animEffect>
-                                  </p:childTnLst>
-                                </p:cTn>
-                              </p:par>
-                              <p:par>
-                                <p:cTn id="23" presetID="10" presetClass="entr" presetSubtype="0" fill="hold" grpId="0" nodeType="withEffect">
-                                  <p:stCondLst>
-                                    <p:cond delay="0"/>
-                                  </p:stCondLst>
-                                  <p:childTnLst>
-                                    <p:set>
-                                      <p:cBhvr>
-                                        <p:cTn id="24" dur="1" fill="hold">
-                                          <p:stCondLst>
-                                            <p:cond delay="0"/>
-                                          </p:stCondLst>
-                                        </p:cTn>
-                                        <p:tgtEl>
-                                          <p:spTgt spid="3"/>
-                                        </p:tgtEl>
-                                        <p:attrNameLst>
-                                          <p:attrName>style.visibility</p:attrName>
-                                        </p:attrNameLst>
-                                      </p:cBhvr>
-                                      <p:to>
-                                        <p:strVal val="visible"/>
-                                      </p:to>
-                                    </p:set>
-                                    <p:animEffect transition="in" filter="fade">
-                                      <p:cBhvr>
-                                        <p:cTn id="25" dur="100"/>
-                                        <p:tgtEl>
-                                          <p:spTgt spid="3"/>
-                                        </p:tgtEl>
-                                      </p:cBhvr>
-                                    </p:animEffect>
-                                  </p:childTnLst>
-                                </p:cTn>
-                              </p:par>
-                              <p:par>
-                                <p:cTn id="26" presetID="10" presetClass="entr" presetSubtype="0" fill="hold" grpId="0" nodeType="withEffect">
-                                  <p:stCondLst>
-                                    <p:cond delay="0"/>
-                                  </p:stCondLst>
-                                  <p:childTnLst>
-                                    <p:set>
-                                      <p:cBhvr>
-                                        <p:cTn id="27" dur="1" fill="hold">
-                                          <p:stCondLst>
-                                            <p:cond delay="0"/>
-                                          </p:stCondLst>
-                                        </p:cTn>
-                                        <p:tgtEl>
-                                          <p:spTgt spid="14"/>
-                                        </p:tgtEl>
-                                        <p:attrNameLst>
-                                          <p:attrName>style.visibility</p:attrName>
-                                        </p:attrNameLst>
-                                      </p:cBhvr>
-                                      <p:to>
-                                        <p:strVal val="visible"/>
-                                      </p:to>
-                                    </p:set>
-                                    <p:animEffect transition="in" filter="fade">
-                                      <p:cBhvr>
-                                        <p:cTn id="28" dur="100"/>
-                                        <p:tgtEl>
-                                          <p:spTgt spid="14"/>
-                                        </p:tgtEl>
-                                      </p:cBhvr>
-                                    </p:animEffect>
-                                  </p:childTnLst>
-                                </p:cTn>
-                              </p:par>
-                            </p:childTnLst>
-                          </p:cTn>
-                        </p:par>
-                        <p:par>
-                          <p:cTn id="29" fill="hold">
-                            <p:stCondLst>
-                              <p:cond delay="100"/>
-                            </p:stCondLst>
-                            <p:childTnLst>
-                              <p:par>
-                                <p:cTn id="30" presetID="10" presetClass="entr" presetSubtype="0" fill="hold" grpId="0" nodeType="afterEffect">
-                                  <p:stCondLst>
-                                    <p:cond delay="0"/>
-                                  </p:stCondLst>
-                                  <p:childTnLst>
-                                    <p:set>
-                                      <p:cBhvr>
-                                        <p:cTn id="31" dur="1" fill="hold">
-                                          <p:stCondLst>
-                                            <p:cond delay="0"/>
-                                          </p:stCondLst>
-                                        </p:cTn>
-                                        <p:tgtEl>
-                                          <p:spTgt spid="16"/>
-                                        </p:tgtEl>
-                                        <p:attrNameLst>
-                                          <p:attrName>style.visibility</p:attrName>
-                                        </p:attrNameLst>
-                                      </p:cBhvr>
-                                      <p:to>
-                                        <p:strVal val="visible"/>
-                                      </p:to>
-                                    </p:set>
-                                    <p:animEffect transition="in" filter="fade">
-                                      <p:cBhvr>
-                                        <p:cTn id="32" dur="200"/>
-                                        <p:tgtEl>
-                                          <p:spTgt spid="16"/>
-                                        </p:tgtEl>
-                                      </p:cBhvr>
-                                    </p:animEffect>
-                                  </p:childTnLst>
-                                </p:cTn>
-                              </p:par>
-                            </p:childTnLst>
-                          </p:cTn>
-                        </p:par>
-                        <p:par>
-                          <p:cTn id="33" fill="hold">
-                            <p:stCondLst>
-                              <p:cond delay="300"/>
-                            </p:stCondLst>
-                            <p:childTnLst>
-                              <p:par>
-                                <p:cTn id="34" presetID="10" presetClass="entr" presetSubtype="0" fill="hold" grpId="0" nodeType="afterEffect">
-                                  <p:stCondLst>
-                                    <p:cond delay="0"/>
-                                  </p:stCondLst>
-                                  <p:childTnLst>
-                                    <p:set>
-                                      <p:cBhvr>
-                                        <p:cTn id="35" dur="1" fill="hold">
-                                          <p:stCondLst>
-                                            <p:cond delay="0"/>
-                                          </p:stCondLst>
-                                        </p:cTn>
-                                        <p:tgtEl>
-                                          <p:spTgt spid="6"/>
-                                        </p:tgtEl>
-                                        <p:attrNameLst>
-                                          <p:attrName>style.visibility</p:attrName>
-                                        </p:attrNameLst>
-                                      </p:cBhvr>
-                                      <p:to>
-                                        <p:strVal val="visible"/>
-                                      </p:to>
-                                    </p:set>
-                                    <p:animEffect transition="in" filter="fade">
-                                      <p:cBhvr>
-                                        <p:cTn id="36" dur="200"/>
-                                        <p:tgtEl>
-                                          <p:spTgt spid="6"/>
-                                        </p:tgtEl>
-                                      </p:cBhvr>
-                                    </p:animEffect>
-                                  </p:childTnLst>
-                                </p:cTn>
-                              </p:par>
-                              <p:par>
-                                <p:cTn id="37" presetID="1" presetClass="exit" presetSubtype="0" fill="hold" grpId="4" nodeType="withEffect">
-                                  <p:stCondLst>
-                                    <p:cond delay="0"/>
-                                  </p:stCondLst>
-                                  <p:childTnLst>
-                                    <p:set>
-                                      <p:cBhvr>
-                                        <p:cTn id="38" dur="1" fill="hold">
-                                          <p:stCondLst>
-                                            <p:cond delay="0"/>
-                                          </p:stCondLst>
-                                        </p:cTn>
-                                        <p:tgtEl>
-                                          <p:spTgt spid="3"/>
-                                        </p:tgtEl>
-                                        <p:attrNameLst>
-                                          <p:attrName>style.visibility</p:attrName>
-                                        </p:attrNameLst>
-                                      </p:cBhvr>
-                                      <p:to>
-                                        <p:strVal val="hidden"/>
-                                      </p:to>
-                                    </p:set>
-                                  </p:childTnLst>
-                                </p:cTn>
-                              </p:par>
-                            </p:childTnLst>
-                          </p:cTn>
-                        </p:par>
-                      </p:childTnLst>
-                    </p:cTn>
-                  </p:par>
-                </p:childTnLst>
-              </p:cTn>
-              <p:prevCondLst>
-                <p:cond evt="onPrev" delay="0">
-                  <p:tgtEl>
-                    <p:sldTgt/>
-                  </p:tgtEl>
-                </p:cond>
-              </p:prevCondLst>
-              <p:nextCondLst>
-                <p:cond evt="onNext" delay="0">
-                  <p:tgtEl>
-                    <p:sldTgt/>
-                  </p:tgtEl>
-                </p:cond>
-              </p:nextCondLst>
-            </p:seq>
-          </p:childTnLst>
-        </p:cTn>
-      </p:par>
-    </p:tnLst>
-    <p:bldLst>
-      <p:bldP spid="6" grpId="0" animBg="1"/>
-      <p:bldP spid="7" grpId="0" animBg="1"/>
-      <p:bldP spid="8" grpId="0" animBg="1"/>
-      <p:bldP spid="11" grpId="0" animBg="1"/>
-      <p:bldP spid="12" grpId="0" animBg="1"/>
-      <p:bldP spid="13" grpId="0" animBg="1"/>
-      <p:bldP spid="14" grpId="0"/>
-      <p:bldP spid="15" grpId="0" animBg="1"/>
-      <p:bldP spid="16" grpId="0"/>
-      <p:bldP spid="3" grpId="0" animBg="1"/>
-      <p:bldP spid="3" grpId="4" animBg="1"/>
-    </p:bldLst>
-  </p:timing>
 </p:sld>
 </file>
 
